--- a/03_12 Class Powerpoint.pptx
+++ b/03_12 Class Powerpoint.pptx
@@ -5,10 +5,10 @@
     <p:sldMasterId id="2147483648" r:id="rId1"/>
   </p:sldMasterIdLst>
   <p:notesMasterIdLst>
-    <p:notesMasterId r:id="rId8"/>
+    <p:notesMasterId r:id="rId9"/>
   </p:notesMasterIdLst>
   <p:handoutMasterIdLst>
-    <p:handoutMasterId r:id="rId9"/>
+    <p:handoutMasterId r:id="rId10"/>
   </p:handoutMasterIdLst>
   <p:sldIdLst>
     <p:sldId id="287" r:id="rId2"/>
@@ -17,6 +17,7 @@
     <p:sldId id="292" r:id="rId5"/>
     <p:sldId id="291" r:id="rId6"/>
     <p:sldId id="290" r:id="rId7"/>
+    <p:sldId id="293" r:id="rId8"/>
   </p:sldIdLst>
   <p:sldSz cx="12192000" cy="6858000"/>
   <p:notesSz cx="6858000" cy="9144000"/>
@@ -9974,8 +9975,8 @@
         </p:nvSpPr>
         <p:spPr>
           <a:xfrm>
-            <a:off x="1617674" y="1390783"/>
-            <a:ext cx="9321767" cy="5565691"/>
+            <a:off x="689801" y="1390783"/>
+            <a:ext cx="10812397" cy="5658024"/>
           </a:xfrm>
           <a:prstGeom prst="rect">
             <a:avLst/>
@@ -9996,47 +9997,10 @@
               <a:buChar char="•"/>
             </a:pPr>
             <a:r>
-              <a:rPr lang="en-US" sz="2400" dirty="0"/>
-              <a:t>Begin with a </a:t>
-            </a:r>
-            <a:r>
-              <a:rPr lang="en-US" sz="2400" i="1" dirty="0"/>
-              <a:t>transition sentence</a:t>
-            </a:r>
-            <a:r>
-              <a:rPr lang="en-US" sz="2400" dirty="0"/>
-              <a:t> that introduces a </a:t>
-            </a:r>
-            <a:r>
-              <a:rPr lang="en-US" sz="2400" i="1" dirty="0"/>
-              <a:t>problem </a:t>
-            </a:r>
-            <a:r>
-              <a:rPr lang="en-US" sz="2400" dirty="0"/>
-              <a:t>or leads to series of questions</a:t>
-            </a:r>
-            <a:endParaRPr lang="en-US" sz="2400" i="1" dirty="0"/>
-          </a:p>
-          <a:p>
-            <a:pPr marL="285750" indent="-285750">
-              <a:lnSpc>
-                <a:spcPct val="150000"/>
-              </a:lnSpc>
-              <a:buFont typeface="Arial" panose="020B0604020202020204" pitchFamily="34" charset="0"/>
-              <a:buChar char="•"/>
-            </a:pPr>
-            <a:r>
-              <a:rPr lang="en-US" sz="2400" dirty="0"/>
-              <a:t>Introduce the </a:t>
-            </a:r>
-            <a:r>
-              <a:rPr lang="en-US" sz="2400" i="1" dirty="0"/>
-              <a:t>Established View </a:t>
-            </a:r>
-            <a:r>
-              <a:rPr lang="en-US" sz="2400" dirty="0"/>
-              <a:t>(author’s name, title, genre)</a:t>
-            </a:r>
+              <a:rPr lang="en-US" sz="2200" dirty="0"/>
+              <a:t>In-Text Citation</a:t>
+            </a:r>
+            <a:endParaRPr lang="en-US" sz="2200" i="1" dirty="0"/>
           </a:p>
           <a:p>
             <a:pPr marL="742950" lvl="1" indent="-285750">
@@ -10047,12 +10011,12 @@
               <a:buChar char="•"/>
             </a:pPr>
             <a:r>
-              <a:rPr lang="en-US" sz="2400" dirty="0"/>
-              <a:t>How does the EV answer the Qs?</a:t>
-            </a:r>
-          </a:p>
-          <a:p>
-            <a:pPr marL="285750" indent="-285750">
+              <a:rPr lang="en-US" sz="2200" dirty="0"/>
+              <a:t>With multiple authors, parenthetical citations need to include the author’s (last) name: e.g. (Chism 63); (Ibn Battuta 456)</a:t>
+            </a:r>
+          </a:p>
+          <a:p>
+            <a:pPr marL="1200150" lvl="2" indent="-285750">
               <a:lnSpc>
                 <a:spcPct val="150000"/>
               </a:lnSpc>
@@ -10060,20 +10024,12 @@
               <a:buChar char="•"/>
             </a:pPr>
             <a:r>
-              <a:rPr lang="en-US" sz="2400" dirty="0"/>
-              <a:t>Briefly describe the </a:t>
-            </a:r>
-            <a:r>
-              <a:rPr lang="en-US" sz="2400" i="1" dirty="0"/>
-              <a:t>merit(s) </a:t>
-            </a:r>
-            <a:r>
-              <a:rPr lang="en-US" sz="2400" dirty="0"/>
-              <a:t>of the EV.</a:t>
-            </a:r>
-          </a:p>
-          <a:p>
-            <a:pPr marL="285750" indent="-285750">
+              <a:rPr lang="en-US" sz="2200" dirty="0"/>
+              <a:t>Unless: their name is clearly in the preceding text</a:t>
+            </a:r>
+          </a:p>
+          <a:p>
+            <a:pPr marL="1714500" lvl="3" indent="-342900">
               <a:lnSpc>
                 <a:spcPct val="150000"/>
               </a:lnSpc>
@@ -10081,20 +10037,20 @@
               <a:buChar char="•"/>
             </a:pPr>
             <a:r>
-              <a:rPr lang="en-US" sz="2400" dirty="0"/>
-              <a:t>Introduce a </a:t>
-            </a:r>
-            <a:r>
-              <a:rPr lang="en-US" sz="2400" i="1" dirty="0"/>
-              <a:t>flaw</a:t>
-            </a:r>
-            <a:r>
-              <a:rPr lang="en-US" sz="2400" dirty="0"/>
-              <a:t> in the EV – (“But,” “However,” “Yet”)</a:t>
-            </a:r>
-          </a:p>
-          <a:p>
-            <a:pPr marL="285750" indent="-285750">
+              <a:rPr lang="en-US" sz="2200" dirty="0"/>
+              <a:t>‘As Chism writes, “Ibn Battuta’s </a:t>
+            </a:r>
+            <a:r>
+              <a:rPr lang="en-US" sz="2200" i="1" dirty="0"/>
+              <a:t>Rihla </a:t>
+            </a:r>
+            <a:r>
+              <a:rPr lang="en-US" sz="2200" dirty="0"/>
+              <a:t>instead shows us a cosmopolitanism in process” (60).’</a:t>
+            </a:r>
+          </a:p>
+          <a:p>
+            <a:pPr marL="800100" lvl="1" indent="-342900">
               <a:lnSpc>
                 <a:spcPct val="150000"/>
               </a:lnSpc>
@@ -10102,24 +10058,20 @@
               <a:buChar char="•"/>
             </a:pPr>
             <a:r>
-              <a:rPr lang="en-US" sz="2400" dirty="0"/>
-              <a:t>Offer a </a:t>
-            </a:r>
-            <a:r>
-              <a:rPr lang="en-US" sz="2400" i="1" dirty="0"/>
-              <a:t>correction </a:t>
-            </a:r>
-            <a:r>
-              <a:rPr lang="en-US" sz="2400" dirty="0"/>
-              <a:t>to the EV that will become your </a:t>
-            </a:r>
-            <a:r>
-              <a:rPr lang="en-US" sz="2400" i="1" dirty="0"/>
-              <a:t>thesis</a:t>
-            </a:r>
-          </a:p>
-          <a:p>
-            <a:pPr marL="285750" indent="-285750">
+              <a:rPr lang="en-US" sz="2200" dirty="0"/>
+              <a:t>Generally, place the parenthetical at the end of the sentence, unless doing so would make it </a:t>
+            </a:r>
+            <a:r>
+              <a:rPr lang="en-US" sz="2200" i="1" dirty="0"/>
+              <a:t>less clear</a:t>
+            </a:r>
+            <a:r>
+              <a:rPr lang="en-US" sz="2200" dirty="0"/>
+              <a:t>.</a:t>
+            </a:r>
+          </a:p>
+          <a:p>
+            <a:pPr marL="800100" lvl="1" indent="-342900">
               <a:lnSpc>
                 <a:spcPct val="150000"/>
               </a:lnSpc>
@@ -10127,34 +10079,17 @@
               <a:buChar char="•"/>
             </a:pPr>
             <a:r>
-              <a:rPr lang="en-US" sz="2400" dirty="0"/>
-              <a:t>Suggest why the </a:t>
-            </a:r>
-            <a:r>
-              <a:rPr lang="en-US" sz="2400" i="1" dirty="0"/>
-              <a:t>problem</a:t>
-            </a:r>
-            <a:r>
-              <a:rPr lang="en-US" sz="2400" dirty="0"/>
-              <a:t> is important to consider and how your </a:t>
-            </a:r>
-            <a:r>
-              <a:rPr lang="en-US" sz="2400" i="1" dirty="0"/>
-              <a:t>thesis</a:t>
-            </a:r>
-            <a:r>
-              <a:rPr lang="en-US" sz="2400" dirty="0"/>
-              <a:t> points toward this broader consideration (</a:t>
-            </a:r>
-            <a:r>
-              <a:rPr lang="en-US" sz="2400" i="1" dirty="0"/>
-              <a:t>motive</a:t>
-            </a:r>
-            <a:r>
-              <a:rPr lang="en-US" sz="2400" dirty="0"/>
-              <a:t>)</a:t>
-            </a:r>
-            <a:endParaRPr lang="en-US" sz="2400" i="1" dirty="0"/>
+              <a:rPr lang="en-US" sz="2200" dirty="0"/>
+              <a:t>When you </a:t>
+            </a:r>
+            <a:r>
+              <a:rPr lang="en-US" sz="2200" i="1" dirty="0"/>
+              <a:t>repeatedly</a:t>
+            </a:r>
+            <a:r>
+              <a:rPr lang="en-US" sz="2200" dirty="0"/>
+              <a:t> cite the same source and page, you may not need to include a citation every time.</a:t>
+            </a:r>
           </a:p>
           <a:p>
             <a:pPr marL="285750" indent="-285750">
@@ -10172,6 +10107,889 @@
     <p:extLst>
       <p:ext uri="{BB962C8B-B14F-4D97-AF65-F5344CB8AC3E}">
         <p14:creationId xmlns:p14="http://schemas.microsoft.com/office/powerpoint/2010/main" val="3529333769"/>
+      </p:ext>
+    </p:extLst>
+  </p:cSld>
+  <p:clrMapOvr>
+    <a:masterClrMapping/>
+  </p:clrMapOvr>
+  <p:timing>
+    <p:tnLst>
+      <p:par>
+        <p:cTn id="1" dur="indefinite" restart="never" nodeType="tmRoot">
+          <p:childTnLst>
+            <p:seq concurrent="1" nextAc="seek">
+              <p:cTn id="2" dur="indefinite" nodeType="mainSeq">
+                <p:childTnLst>
+                  <p:par>
+                    <p:cTn id="3" fill="hold">
+                      <p:stCondLst>
+                        <p:cond delay="indefinite"/>
+                      </p:stCondLst>
+                      <p:childTnLst>
+                        <p:par>
+                          <p:cTn id="4" fill="hold">
+                            <p:stCondLst>
+                              <p:cond delay="0"/>
+                            </p:stCondLst>
+                            <p:childTnLst>
+                              <p:par>
+                                <p:cTn id="5" presetID="2" presetClass="entr" presetSubtype="4" fill="hold" grpId="0" nodeType="clickEffect">
+                                  <p:stCondLst>
+                                    <p:cond delay="0"/>
+                                  </p:stCondLst>
+                                  <p:childTnLst>
+                                    <p:set>
+                                      <p:cBhvr>
+                                        <p:cTn id="6" dur="1" fill="hold">
+                                          <p:stCondLst>
+                                            <p:cond delay="0"/>
+                                          </p:stCondLst>
+                                        </p:cTn>
+                                        <p:tgtEl>
+                                          <p:spTgt spid="3">
+                                            <p:txEl>
+                                              <p:pRg st="0" end="0"/>
+                                            </p:txEl>
+                                          </p:spTgt>
+                                        </p:tgtEl>
+                                        <p:attrNameLst>
+                                          <p:attrName>style.visibility</p:attrName>
+                                        </p:attrNameLst>
+                                      </p:cBhvr>
+                                      <p:to>
+                                        <p:strVal val="visible"/>
+                                      </p:to>
+                                    </p:set>
+                                    <p:anim calcmode="lin" valueType="num">
+                                      <p:cBhvr additive="base">
+                                        <p:cTn id="7" dur="500" fill="hold"/>
+                                        <p:tgtEl>
+                                          <p:spTgt spid="3">
+                                            <p:txEl>
+                                              <p:pRg st="0" end="0"/>
+                                            </p:txEl>
+                                          </p:spTgt>
+                                        </p:tgtEl>
+                                        <p:attrNameLst>
+                                          <p:attrName>ppt_x</p:attrName>
+                                        </p:attrNameLst>
+                                      </p:cBhvr>
+                                      <p:tavLst>
+                                        <p:tav tm="0">
+                                          <p:val>
+                                            <p:strVal val="#ppt_x"/>
+                                          </p:val>
+                                        </p:tav>
+                                        <p:tav tm="100000">
+                                          <p:val>
+                                            <p:strVal val="#ppt_x"/>
+                                          </p:val>
+                                        </p:tav>
+                                      </p:tavLst>
+                                    </p:anim>
+                                    <p:anim calcmode="lin" valueType="num">
+                                      <p:cBhvr additive="base">
+                                        <p:cTn id="8" dur="500" fill="hold"/>
+                                        <p:tgtEl>
+                                          <p:spTgt spid="3">
+                                            <p:txEl>
+                                              <p:pRg st="0" end="0"/>
+                                            </p:txEl>
+                                          </p:spTgt>
+                                        </p:tgtEl>
+                                        <p:attrNameLst>
+                                          <p:attrName>ppt_y</p:attrName>
+                                        </p:attrNameLst>
+                                      </p:cBhvr>
+                                      <p:tavLst>
+                                        <p:tav tm="0">
+                                          <p:val>
+                                            <p:strVal val="1+#ppt_h/2"/>
+                                          </p:val>
+                                        </p:tav>
+                                        <p:tav tm="100000">
+                                          <p:val>
+                                            <p:strVal val="#ppt_y"/>
+                                          </p:val>
+                                        </p:tav>
+                                      </p:tavLst>
+                                    </p:anim>
+                                  </p:childTnLst>
+                                </p:cTn>
+                              </p:par>
+                            </p:childTnLst>
+                          </p:cTn>
+                        </p:par>
+                      </p:childTnLst>
+                    </p:cTn>
+                  </p:par>
+                  <p:par>
+                    <p:cTn id="9" fill="hold">
+                      <p:stCondLst>
+                        <p:cond delay="indefinite"/>
+                      </p:stCondLst>
+                      <p:childTnLst>
+                        <p:par>
+                          <p:cTn id="10" fill="hold">
+                            <p:stCondLst>
+                              <p:cond delay="0"/>
+                            </p:stCondLst>
+                            <p:childTnLst>
+                              <p:par>
+                                <p:cTn id="11" presetID="2" presetClass="entr" presetSubtype="4" fill="hold" grpId="0" nodeType="clickEffect">
+                                  <p:stCondLst>
+                                    <p:cond delay="0"/>
+                                  </p:stCondLst>
+                                  <p:childTnLst>
+                                    <p:set>
+                                      <p:cBhvr>
+                                        <p:cTn id="12" dur="1" fill="hold">
+                                          <p:stCondLst>
+                                            <p:cond delay="0"/>
+                                          </p:stCondLst>
+                                        </p:cTn>
+                                        <p:tgtEl>
+                                          <p:spTgt spid="3">
+                                            <p:txEl>
+                                              <p:pRg st="1" end="1"/>
+                                            </p:txEl>
+                                          </p:spTgt>
+                                        </p:tgtEl>
+                                        <p:attrNameLst>
+                                          <p:attrName>style.visibility</p:attrName>
+                                        </p:attrNameLst>
+                                      </p:cBhvr>
+                                      <p:to>
+                                        <p:strVal val="visible"/>
+                                      </p:to>
+                                    </p:set>
+                                    <p:anim calcmode="lin" valueType="num">
+                                      <p:cBhvr additive="base">
+                                        <p:cTn id="13" dur="500" fill="hold"/>
+                                        <p:tgtEl>
+                                          <p:spTgt spid="3">
+                                            <p:txEl>
+                                              <p:pRg st="1" end="1"/>
+                                            </p:txEl>
+                                          </p:spTgt>
+                                        </p:tgtEl>
+                                        <p:attrNameLst>
+                                          <p:attrName>ppt_x</p:attrName>
+                                        </p:attrNameLst>
+                                      </p:cBhvr>
+                                      <p:tavLst>
+                                        <p:tav tm="0">
+                                          <p:val>
+                                            <p:strVal val="#ppt_x"/>
+                                          </p:val>
+                                        </p:tav>
+                                        <p:tav tm="100000">
+                                          <p:val>
+                                            <p:strVal val="#ppt_x"/>
+                                          </p:val>
+                                        </p:tav>
+                                      </p:tavLst>
+                                    </p:anim>
+                                    <p:anim calcmode="lin" valueType="num">
+                                      <p:cBhvr additive="base">
+                                        <p:cTn id="14" dur="500" fill="hold"/>
+                                        <p:tgtEl>
+                                          <p:spTgt spid="3">
+                                            <p:txEl>
+                                              <p:pRg st="1" end="1"/>
+                                            </p:txEl>
+                                          </p:spTgt>
+                                        </p:tgtEl>
+                                        <p:attrNameLst>
+                                          <p:attrName>ppt_y</p:attrName>
+                                        </p:attrNameLst>
+                                      </p:cBhvr>
+                                      <p:tavLst>
+                                        <p:tav tm="0">
+                                          <p:val>
+                                            <p:strVal val="1+#ppt_h/2"/>
+                                          </p:val>
+                                        </p:tav>
+                                        <p:tav tm="100000">
+                                          <p:val>
+                                            <p:strVal val="#ppt_y"/>
+                                          </p:val>
+                                        </p:tav>
+                                      </p:tavLst>
+                                    </p:anim>
+                                  </p:childTnLst>
+                                </p:cTn>
+                              </p:par>
+                            </p:childTnLst>
+                          </p:cTn>
+                        </p:par>
+                      </p:childTnLst>
+                    </p:cTn>
+                  </p:par>
+                  <p:par>
+                    <p:cTn id="15" fill="hold">
+                      <p:stCondLst>
+                        <p:cond delay="indefinite"/>
+                      </p:stCondLst>
+                      <p:childTnLst>
+                        <p:par>
+                          <p:cTn id="16" fill="hold">
+                            <p:stCondLst>
+                              <p:cond delay="0"/>
+                            </p:stCondLst>
+                            <p:childTnLst>
+                              <p:par>
+                                <p:cTn id="17" presetID="2" presetClass="entr" presetSubtype="4" fill="hold" grpId="0" nodeType="clickEffect">
+                                  <p:stCondLst>
+                                    <p:cond delay="0"/>
+                                  </p:stCondLst>
+                                  <p:childTnLst>
+                                    <p:set>
+                                      <p:cBhvr>
+                                        <p:cTn id="18" dur="1" fill="hold">
+                                          <p:stCondLst>
+                                            <p:cond delay="0"/>
+                                          </p:stCondLst>
+                                        </p:cTn>
+                                        <p:tgtEl>
+                                          <p:spTgt spid="3">
+                                            <p:txEl>
+                                              <p:pRg st="2" end="2"/>
+                                            </p:txEl>
+                                          </p:spTgt>
+                                        </p:tgtEl>
+                                        <p:attrNameLst>
+                                          <p:attrName>style.visibility</p:attrName>
+                                        </p:attrNameLst>
+                                      </p:cBhvr>
+                                      <p:to>
+                                        <p:strVal val="visible"/>
+                                      </p:to>
+                                    </p:set>
+                                    <p:anim calcmode="lin" valueType="num">
+                                      <p:cBhvr additive="base">
+                                        <p:cTn id="19" dur="500" fill="hold"/>
+                                        <p:tgtEl>
+                                          <p:spTgt spid="3">
+                                            <p:txEl>
+                                              <p:pRg st="2" end="2"/>
+                                            </p:txEl>
+                                          </p:spTgt>
+                                        </p:tgtEl>
+                                        <p:attrNameLst>
+                                          <p:attrName>ppt_x</p:attrName>
+                                        </p:attrNameLst>
+                                      </p:cBhvr>
+                                      <p:tavLst>
+                                        <p:tav tm="0">
+                                          <p:val>
+                                            <p:strVal val="#ppt_x"/>
+                                          </p:val>
+                                        </p:tav>
+                                        <p:tav tm="100000">
+                                          <p:val>
+                                            <p:strVal val="#ppt_x"/>
+                                          </p:val>
+                                        </p:tav>
+                                      </p:tavLst>
+                                    </p:anim>
+                                    <p:anim calcmode="lin" valueType="num">
+                                      <p:cBhvr additive="base">
+                                        <p:cTn id="20" dur="500" fill="hold"/>
+                                        <p:tgtEl>
+                                          <p:spTgt spid="3">
+                                            <p:txEl>
+                                              <p:pRg st="2" end="2"/>
+                                            </p:txEl>
+                                          </p:spTgt>
+                                        </p:tgtEl>
+                                        <p:attrNameLst>
+                                          <p:attrName>ppt_y</p:attrName>
+                                        </p:attrNameLst>
+                                      </p:cBhvr>
+                                      <p:tavLst>
+                                        <p:tav tm="0">
+                                          <p:val>
+                                            <p:strVal val="1+#ppt_h/2"/>
+                                          </p:val>
+                                        </p:tav>
+                                        <p:tav tm="100000">
+                                          <p:val>
+                                            <p:strVal val="#ppt_y"/>
+                                          </p:val>
+                                        </p:tav>
+                                      </p:tavLst>
+                                    </p:anim>
+                                  </p:childTnLst>
+                                </p:cTn>
+                              </p:par>
+                            </p:childTnLst>
+                          </p:cTn>
+                        </p:par>
+                      </p:childTnLst>
+                    </p:cTn>
+                  </p:par>
+                  <p:par>
+                    <p:cTn id="21" fill="hold">
+                      <p:stCondLst>
+                        <p:cond delay="indefinite"/>
+                      </p:stCondLst>
+                      <p:childTnLst>
+                        <p:par>
+                          <p:cTn id="22" fill="hold">
+                            <p:stCondLst>
+                              <p:cond delay="0"/>
+                            </p:stCondLst>
+                            <p:childTnLst>
+                              <p:par>
+                                <p:cTn id="23" presetID="2" presetClass="entr" presetSubtype="4" fill="hold" grpId="0" nodeType="clickEffect">
+                                  <p:stCondLst>
+                                    <p:cond delay="0"/>
+                                  </p:stCondLst>
+                                  <p:childTnLst>
+                                    <p:set>
+                                      <p:cBhvr>
+                                        <p:cTn id="24" dur="1" fill="hold">
+                                          <p:stCondLst>
+                                            <p:cond delay="0"/>
+                                          </p:stCondLst>
+                                        </p:cTn>
+                                        <p:tgtEl>
+                                          <p:spTgt spid="3">
+                                            <p:txEl>
+                                              <p:pRg st="3" end="3"/>
+                                            </p:txEl>
+                                          </p:spTgt>
+                                        </p:tgtEl>
+                                        <p:attrNameLst>
+                                          <p:attrName>style.visibility</p:attrName>
+                                        </p:attrNameLst>
+                                      </p:cBhvr>
+                                      <p:to>
+                                        <p:strVal val="visible"/>
+                                      </p:to>
+                                    </p:set>
+                                    <p:anim calcmode="lin" valueType="num">
+                                      <p:cBhvr additive="base">
+                                        <p:cTn id="25" dur="500" fill="hold"/>
+                                        <p:tgtEl>
+                                          <p:spTgt spid="3">
+                                            <p:txEl>
+                                              <p:pRg st="3" end="3"/>
+                                            </p:txEl>
+                                          </p:spTgt>
+                                        </p:tgtEl>
+                                        <p:attrNameLst>
+                                          <p:attrName>ppt_x</p:attrName>
+                                        </p:attrNameLst>
+                                      </p:cBhvr>
+                                      <p:tavLst>
+                                        <p:tav tm="0">
+                                          <p:val>
+                                            <p:strVal val="#ppt_x"/>
+                                          </p:val>
+                                        </p:tav>
+                                        <p:tav tm="100000">
+                                          <p:val>
+                                            <p:strVal val="#ppt_x"/>
+                                          </p:val>
+                                        </p:tav>
+                                      </p:tavLst>
+                                    </p:anim>
+                                    <p:anim calcmode="lin" valueType="num">
+                                      <p:cBhvr additive="base">
+                                        <p:cTn id="26" dur="500" fill="hold"/>
+                                        <p:tgtEl>
+                                          <p:spTgt spid="3">
+                                            <p:txEl>
+                                              <p:pRg st="3" end="3"/>
+                                            </p:txEl>
+                                          </p:spTgt>
+                                        </p:tgtEl>
+                                        <p:attrNameLst>
+                                          <p:attrName>ppt_y</p:attrName>
+                                        </p:attrNameLst>
+                                      </p:cBhvr>
+                                      <p:tavLst>
+                                        <p:tav tm="0">
+                                          <p:val>
+                                            <p:strVal val="1+#ppt_h/2"/>
+                                          </p:val>
+                                        </p:tav>
+                                        <p:tav tm="100000">
+                                          <p:val>
+                                            <p:strVal val="#ppt_y"/>
+                                          </p:val>
+                                        </p:tav>
+                                      </p:tavLst>
+                                    </p:anim>
+                                  </p:childTnLst>
+                                </p:cTn>
+                              </p:par>
+                            </p:childTnLst>
+                          </p:cTn>
+                        </p:par>
+                      </p:childTnLst>
+                    </p:cTn>
+                  </p:par>
+                  <p:par>
+                    <p:cTn id="27" fill="hold">
+                      <p:stCondLst>
+                        <p:cond delay="indefinite"/>
+                      </p:stCondLst>
+                      <p:childTnLst>
+                        <p:par>
+                          <p:cTn id="28" fill="hold">
+                            <p:stCondLst>
+                              <p:cond delay="0"/>
+                            </p:stCondLst>
+                            <p:childTnLst>
+                              <p:par>
+                                <p:cTn id="29" presetID="2" presetClass="entr" presetSubtype="4" fill="hold" grpId="0" nodeType="clickEffect">
+                                  <p:stCondLst>
+                                    <p:cond delay="0"/>
+                                  </p:stCondLst>
+                                  <p:childTnLst>
+                                    <p:set>
+                                      <p:cBhvr>
+                                        <p:cTn id="30" dur="1" fill="hold">
+                                          <p:stCondLst>
+                                            <p:cond delay="0"/>
+                                          </p:stCondLst>
+                                        </p:cTn>
+                                        <p:tgtEl>
+                                          <p:spTgt spid="3">
+                                            <p:txEl>
+                                              <p:pRg st="4" end="4"/>
+                                            </p:txEl>
+                                          </p:spTgt>
+                                        </p:tgtEl>
+                                        <p:attrNameLst>
+                                          <p:attrName>style.visibility</p:attrName>
+                                        </p:attrNameLst>
+                                      </p:cBhvr>
+                                      <p:to>
+                                        <p:strVal val="visible"/>
+                                      </p:to>
+                                    </p:set>
+                                    <p:anim calcmode="lin" valueType="num">
+                                      <p:cBhvr additive="base">
+                                        <p:cTn id="31" dur="500" fill="hold"/>
+                                        <p:tgtEl>
+                                          <p:spTgt spid="3">
+                                            <p:txEl>
+                                              <p:pRg st="4" end="4"/>
+                                            </p:txEl>
+                                          </p:spTgt>
+                                        </p:tgtEl>
+                                        <p:attrNameLst>
+                                          <p:attrName>ppt_x</p:attrName>
+                                        </p:attrNameLst>
+                                      </p:cBhvr>
+                                      <p:tavLst>
+                                        <p:tav tm="0">
+                                          <p:val>
+                                            <p:strVal val="#ppt_x"/>
+                                          </p:val>
+                                        </p:tav>
+                                        <p:tav tm="100000">
+                                          <p:val>
+                                            <p:strVal val="#ppt_x"/>
+                                          </p:val>
+                                        </p:tav>
+                                      </p:tavLst>
+                                    </p:anim>
+                                    <p:anim calcmode="lin" valueType="num">
+                                      <p:cBhvr additive="base">
+                                        <p:cTn id="32" dur="500" fill="hold"/>
+                                        <p:tgtEl>
+                                          <p:spTgt spid="3">
+                                            <p:txEl>
+                                              <p:pRg st="4" end="4"/>
+                                            </p:txEl>
+                                          </p:spTgt>
+                                        </p:tgtEl>
+                                        <p:attrNameLst>
+                                          <p:attrName>ppt_y</p:attrName>
+                                        </p:attrNameLst>
+                                      </p:cBhvr>
+                                      <p:tavLst>
+                                        <p:tav tm="0">
+                                          <p:val>
+                                            <p:strVal val="1+#ppt_h/2"/>
+                                          </p:val>
+                                        </p:tav>
+                                        <p:tav tm="100000">
+                                          <p:val>
+                                            <p:strVal val="#ppt_y"/>
+                                          </p:val>
+                                        </p:tav>
+                                      </p:tavLst>
+                                    </p:anim>
+                                  </p:childTnLst>
+                                </p:cTn>
+                              </p:par>
+                            </p:childTnLst>
+                          </p:cTn>
+                        </p:par>
+                      </p:childTnLst>
+                    </p:cTn>
+                  </p:par>
+                  <p:par>
+                    <p:cTn id="33" fill="hold">
+                      <p:stCondLst>
+                        <p:cond delay="indefinite"/>
+                      </p:stCondLst>
+                      <p:childTnLst>
+                        <p:par>
+                          <p:cTn id="34" fill="hold">
+                            <p:stCondLst>
+                              <p:cond delay="0"/>
+                            </p:stCondLst>
+                            <p:childTnLst>
+                              <p:par>
+                                <p:cTn id="35" presetID="2" presetClass="entr" presetSubtype="4" fill="hold" grpId="0" nodeType="clickEffect">
+                                  <p:stCondLst>
+                                    <p:cond delay="0"/>
+                                  </p:stCondLst>
+                                  <p:childTnLst>
+                                    <p:set>
+                                      <p:cBhvr>
+                                        <p:cTn id="36" dur="1" fill="hold">
+                                          <p:stCondLst>
+                                            <p:cond delay="0"/>
+                                          </p:stCondLst>
+                                        </p:cTn>
+                                        <p:tgtEl>
+                                          <p:spTgt spid="3">
+                                            <p:txEl>
+                                              <p:pRg st="5" end="5"/>
+                                            </p:txEl>
+                                          </p:spTgt>
+                                        </p:tgtEl>
+                                        <p:attrNameLst>
+                                          <p:attrName>style.visibility</p:attrName>
+                                        </p:attrNameLst>
+                                      </p:cBhvr>
+                                      <p:to>
+                                        <p:strVal val="visible"/>
+                                      </p:to>
+                                    </p:set>
+                                    <p:anim calcmode="lin" valueType="num">
+                                      <p:cBhvr additive="base">
+                                        <p:cTn id="37" dur="500" fill="hold"/>
+                                        <p:tgtEl>
+                                          <p:spTgt spid="3">
+                                            <p:txEl>
+                                              <p:pRg st="5" end="5"/>
+                                            </p:txEl>
+                                          </p:spTgt>
+                                        </p:tgtEl>
+                                        <p:attrNameLst>
+                                          <p:attrName>ppt_x</p:attrName>
+                                        </p:attrNameLst>
+                                      </p:cBhvr>
+                                      <p:tavLst>
+                                        <p:tav tm="0">
+                                          <p:val>
+                                            <p:strVal val="#ppt_x"/>
+                                          </p:val>
+                                        </p:tav>
+                                        <p:tav tm="100000">
+                                          <p:val>
+                                            <p:strVal val="#ppt_x"/>
+                                          </p:val>
+                                        </p:tav>
+                                      </p:tavLst>
+                                    </p:anim>
+                                    <p:anim calcmode="lin" valueType="num">
+                                      <p:cBhvr additive="base">
+                                        <p:cTn id="38" dur="500" fill="hold"/>
+                                        <p:tgtEl>
+                                          <p:spTgt spid="3">
+                                            <p:txEl>
+                                              <p:pRg st="5" end="5"/>
+                                            </p:txEl>
+                                          </p:spTgt>
+                                        </p:tgtEl>
+                                        <p:attrNameLst>
+                                          <p:attrName>ppt_y</p:attrName>
+                                        </p:attrNameLst>
+                                      </p:cBhvr>
+                                      <p:tavLst>
+                                        <p:tav tm="0">
+                                          <p:val>
+                                            <p:strVal val="1+#ppt_h/2"/>
+                                          </p:val>
+                                        </p:tav>
+                                        <p:tav tm="100000">
+                                          <p:val>
+                                            <p:strVal val="#ppt_y"/>
+                                          </p:val>
+                                        </p:tav>
+                                      </p:tavLst>
+                                    </p:anim>
+                                  </p:childTnLst>
+                                </p:cTn>
+                              </p:par>
+                            </p:childTnLst>
+                          </p:cTn>
+                        </p:par>
+                      </p:childTnLst>
+                    </p:cTn>
+                  </p:par>
+                </p:childTnLst>
+              </p:cTn>
+              <p:prevCondLst>
+                <p:cond evt="onPrev" delay="0">
+                  <p:tgtEl>
+                    <p:sldTgt/>
+                  </p:tgtEl>
+                </p:cond>
+              </p:prevCondLst>
+              <p:nextCondLst>
+                <p:cond evt="onNext" delay="0">
+                  <p:tgtEl>
+                    <p:sldTgt/>
+                  </p:tgtEl>
+                </p:cond>
+              </p:nextCondLst>
+            </p:seq>
+          </p:childTnLst>
+        </p:cTn>
+      </p:par>
+    </p:tnLst>
+    <p:bldLst>
+      <p:bldP spid="3" grpId="0" uiExpand="1" build="p" bldLvl="2"/>
+    </p:bldLst>
+  </p:timing>
+</p:sld>
+</file>
+
+<file path=ppt/slides/slide7.xml><?xml version="1.0" encoding="utf-8"?>
+<p:sld xmlns:a="http://schemas.openxmlformats.org/drawingml/2006/main" xmlns:r="http://schemas.openxmlformats.org/officeDocument/2006/relationships" xmlns:p="http://schemas.openxmlformats.org/presentationml/2006/main">
+  <p:cSld>
+    <p:spTree>
+      <p:nvGrpSpPr>
+        <p:cNvPr id="1" name=""/>
+        <p:cNvGrpSpPr/>
+        <p:nvPr/>
+      </p:nvGrpSpPr>
+      <p:grpSpPr>
+        <a:xfrm>
+          <a:off x="0" y="0"/>
+          <a:ext cx="0" cy="0"/>
+          <a:chOff x="0" y="0"/>
+          <a:chExt cx="0" cy="0"/>
+        </a:xfrm>
+      </p:grpSpPr>
+      <p:sp>
+        <p:nvSpPr>
+          <p:cNvPr id="2" name="Title 1"/>
+          <p:cNvSpPr>
+            <a:spLocks noGrp="1"/>
+          </p:cNvSpPr>
+          <p:nvPr>
+            <p:ph type="ctrTitle"/>
+          </p:nvPr>
+        </p:nvSpPr>
+        <p:spPr>
+          <a:xfrm>
+            <a:off x="1054917" y="-149246"/>
+            <a:ext cx="10447282" cy="2072782"/>
+          </a:xfrm>
+        </p:spPr>
+        <p:txBody>
+          <a:bodyPr>
+            <a:normAutofit/>
+          </a:bodyPr>
+          <a:lstStyle/>
+          <a:p>
+            <a:r>
+              <a:rPr lang="en-US" dirty="0"/>
+              <a:t>CITATION REVISITED</a:t>
+            </a:r>
+            <a:br>
+              <a:rPr lang="en-US" dirty="0"/>
+            </a:br>
+            <a:endParaRPr lang="en-US" dirty="0"/>
+          </a:p>
+        </p:txBody>
+      </p:sp>
+      <p:sp>
+        <p:nvSpPr>
+          <p:cNvPr id="3" name="TextBox 2">
+            <a:extLst>
+              <a:ext uri="{FF2B5EF4-FFF2-40B4-BE49-F238E27FC236}">
+                <a16:creationId xmlns:a16="http://schemas.microsoft.com/office/drawing/2014/main" id="{32AF55DB-C6A1-424D-BC71-AED75BC9AE3A}"/>
+              </a:ext>
+            </a:extLst>
+          </p:cNvPr>
+          <p:cNvSpPr txBox="1"/>
+          <p:nvPr/>
+        </p:nvSpPr>
+        <p:spPr>
+          <a:xfrm>
+            <a:off x="689801" y="1390783"/>
+            <a:ext cx="10812397" cy="5242525"/>
+          </a:xfrm>
+          <a:prstGeom prst="rect">
+            <a:avLst/>
+          </a:prstGeom>
+          <a:noFill/>
+        </p:spPr>
+        <p:txBody>
+          <a:bodyPr wrap="square" rtlCol="0">
+            <a:spAutoFit/>
+          </a:bodyPr>
+          <a:lstStyle/>
+          <a:p>
+            <a:pPr marL="285750" indent="-285750">
+              <a:lnSpc>
+                <a:spcPct val="150000"/>
+              </a:lnSpc>
+              <a:buFont typeface="Arial" panose="020B0604020202020204" pitchFamily="34" charset="0"/>
+              <a:buChar char="•"/>
+            </a:pPr>
+            <a:r>
+              <a:rPr lang="en-US" sz="2200" dirty="0"/>
+              <a:t>Works Cited</a:t>
+            </a:r>
+            <a:endParaRPr lang="en-US" sz="2200" i="1" dirty="0"/>
+          </a:p>
+          <a:p>
+            <a:pPr marL="742950" lvl="1" indent="-285750">
+              <a:lnSpc>
+                <a:spcPct val="150000"/>
+              </a:lnSpc>
+              <a:buFont typeface="Arial" panose="020B0604020202020204" pitchFamily="34" charset="0"/>
+              <a:buChar char="•"/>
+            </a:pPr>
+            <a:r>
+              <a:rPr lang="en-US" sz="2200" dirty="0"/>
+              <a:t>Authored Book</a:t>
+            </a:r>
+          </a:p>
+          <a:p>
+            <a:pPr marL="1200150" lvl="2" indent="-285750">
+              <a:lnSpc>
+                <a:spcPct val="150000"/>
+              </a:lnSpc>
+              <a:buFont typeface="Arial" panose="020B0604020202020204" pitchFamily="34" charset="0"/>
+              <a:buChar char="•"/>
+            </a:pPr>
+            <a:r>
+              <a:rPr lang="en-US" sz="2200" dirty="0"/>
+              <a:t>Wood, Frances. </a:t>
+            </a:r>
+            <a:r>
+              <a:rPr lang="en-US" sz="2200" i="1" dirty="0"/>
+              <a:t>Did Marco Polo go to China?</a:t>
+            </a:r>
+            <a:r>
+              <a:rPr lang="en-US" sz="2200" dirty="0"/>
+              <a:t> Secker and Warburg, 1995.</a:t>
+            </a:r>
+          </a:p>
+          <a:p>
+            <a:pPr marL="800100" lvl="1" indent="-342900">
+              <a:lnSpc>
+                <a:spcPct val="150000"/>
+              </a:lnSpc>
+              <a:buFont typeface="Arial" panose="020B0604020202020204" pitchFamily="34" charset="0"/>
+              <a:buChar char="•"/>
+            </a:pPr>
+            <a:r>
+              <a:rPr lang="en-US" sz="2200" dirty="0"/>
+              <a:t>Article in a Journal</a:t>
+            </a:r>
+          </a:p>
+          <a:p>
+            <a:pPr marL="1257300" lvl="2" indent="-342900">
+              <a:lnSpc>
+                <a:spcPct val="150000"/>
+              </a:lnSpc>
+              <a:buFont typeface="Arial" panose="020B0604020202020204" pitchFamily="34" charset="0"/>
+              <a:buChar char="•"/>
+            </a:pPr>
+            <a:r>
+              <a:rPr lang="en-US" sz="2200" dirty="0"/>
+              <a:t>Norris, Harry. “Ibn Battuta on Muslims and Christians in the Crimean Peninsula.” </a:t>
+            </a:r>
+            <a:r>
+              <a:rPr lang="en-US" sz="2200" i="1" dirty="0"/>
+              <a:t>Iran &amp; the Caucasus</a:t>
+            </a:r>
+            <a:r>
+              <a:rPr lang="en-US" sz="2200" dirty="0"/>
+              <a:t>, vol. 8, no. 1, 2004, pp. 7–14.</a:t>
+            </a:r>
+          </a:p>
+          <a:p>
+            <a:pPr marL="800100" lvl="1" indent="-342900">
+              <a:lnSpc>
+                <a:spcPct val="150000"/>
+              </a:lnSpc>
+              <a:buFont typeface="Arial" panose="020B0604020202020204" pitchFamily="34" charset="0"/>
+              <a:buChar char="•"/>
+            </a:pPr>
+            <a:r>
+              <a:rPr lang="en-US" sz="2200" dirty="0"/>
+              <a:t>Edited Volume (Book w/multiple authors)</a:t>
+            </a:r>
+          </a:p>
+          <a:p>
+            <a:pPr marL="1200150" lvl="2" indent="-285750">
+              <a:lnSpc>
+                <a:spcPct val="150000"/>
+              </a:lnSpc>
+              <a:buFont typeface="Arial" panose="020B0604020202020204" pitchFamily="34" charset="0"/>
+              <a:buChar char="•"/>
+            </a:pPr>
+            <a:r>
+              <a:rPr lang="en-US" sz="2200" dirty="0"/>
+              <a:t>Kinoshita, Sharon. “Reorientations: The </a:t>
+            </a:r>
+            <a:r>
+              <a:rPr lang="en-US" sz="2200" dirty="0" err="1"/>
+              <a:t>Worlding</a:t>
+            </a:r>
+            <a:r>
+              <a:rPr lang="en-US" sz="2200" dirty="0"/>
+              <a:t> of Marco Polo.” </a:t>
+            </a:r>
+            <a:r>
+              <a:rPr lang="en-US" sz="2200" i="1" dirty="0"/>
+              <a:t>Cosmopolitanism and the Middle Ages</a:t>
+            </a:r>
+            <a:r>
+              <a:rPr lang="en-US" sz="2200" dirty="0"/>
+              <a:t>, edited by John M. </a:t>
+            </a:r>
+            <a:r>
+              <a:rPr lang="en-US" sz="2200" dirty="0" err="1"/>
+              <a:t>Ganim</a:t>
+            </a:r>
+            <a:r>
+              <a:rPr lang="en-US" sz="2200" dirty="0"/>
+              <a:t> and Shayne Aaron </a:t>
+            </a:r>
+            <a:r>
+              <a:rPr lang="en-US" sz="2200" dirty="0" err="1"/>
+              <a:t>Legassie</a:t>
+            </a:r>
+            <a:r>
+              <a:rPr lang="en-US" sz="2200" dirty="0"/>
+              <a:t>, Palgrave Macmillan, 2013.</a:t>
+            </a:r>
+          </a:p>
+        </p:txBody>
+      </p:sp>
+    </p:spTree>
+    <p:extLst>
+      <p:ext uri="{BB962C8B-B14F-4D97-AF65-F5344CB8AC3E}">
+        <p14:creationId xmlns:p14="http://schemas.microsoft.com/office/powerpoint/2010/main" val="2372945822"/>
       </p:ext>
     </p:extLst>
   </p:cSld>
